--- a/Next Event Prediction in eCommerce Sessions/data/Next-Event-Prediction-in-eCommerce-Sessions-using-PySpark.pptx
+++ b/Next Event Prediction in eCommerce Sessions/data/Next-Event-Prediction-in-eCommerce-Sessions-using-PySpark.pptx
@@ -4,41 +4,129 @@
   <p:sldMasterIdLst>
     <p:sldMasterId id="2147483648" r:id="rId1"/>
   </p:sldMasterIdLst>
+  <p:notesMasterIdLst>
+    <p:notesMasterId r:id="rId4"/>
+  </p:notesMasterIdLst>
   <p:sldIdLst>
     <p:sldId id="256" r:id="rId2"/>
     <p:sldId id="257" r:id="rId3"/>
   </p:sldIdLst>
-  <p:notesMasterIdLst>
-    <p:notesMasterId r:id="rId4"/>
-  </p:notesMasterIdLst>
   <p:sldSz cx="14630400" cy="8229600"/>
   <p:notesSz cx="8229600" cy="14630400"/>
   <p:embeddedFontLst>
     <p:embeddedFont>
-      <p:font typeface="Unbounded"/>
-      <p:regular r:id="rId9"/>
+      <p:font typeface="Consolas" panose="020B0609020204030204" pitchFamily="49" charset="0"/>
+      <p:regular r:id="rId5"/>
+      <p:bold r:id="rId6"/>
+      <p:italic r:id="rId7"/>
+      <p:boldItalic r:id="rId8"/>
     </p:embeddedFont>
     <p:embeddedFont>
-      <p:font typeface="Unbounded"/>
-      <p:regular r:id="rId10"/>
-    </p:embeddedFont>
-    <p:embeddedFont>
-      <p:font typeface="Open Sans"/>
-      <p:regular r:id="rId11"/>
-    </p:embeddedFont>
-    <p:embeddedFont>
-      <p:font typeface="Open Sans"/>
-      <p:regular r:id="rId12"/>
-    </p:embeddedFont>
-    <p:embeddedFont>
-      <p:font typeface="Open Sans"/>
-      <p:regular r:id="rId13"/>
-    </p:embeddedFont>
-    <p:embeddedFont>
-      <p:font typeface="Open Sans"/>
-      <p:regular r:id="rId14"/>
+      <p:font typeface="Open Sans" panose="020B0606030504020204" pitchFamily="34" charset="0"/>
+      <p:regular r:id="rId9"/>
+      <p:bold r:id="rId10"/>
     </p:embeddedFont>
   </p:embeddedFontLst>
+  <p:defaultTextStyle>
+    <a:defPPr>
+      <a:defRPr lang="en-PK"/>
+    </a:defPPr>
+    <a:lvl1pPr marL="0" algn="l" defTabSz="914400" rtl="0" eaLnBrk="1" latinLnBrk="0" hangingPunct="1">
+      <a:defRPr sz="1800" kern="1200">
+        <a:solidFill>
+          <a:schemeClr val="tx1"/>
+        </a:solidFill>
+        <a:latin typeface="+mn-lt"/>
+        <a:ea typeface="+mn-ea"/>
+        <a:cs typeface="+mn-cs"/>
+      </a:defRPr>
+    </a:lvl1pPr>
+    <a:lvl2pPr marL="457200" algn="l" defTabSz="914400" rtl="0" eaLnBrk="1" latinLnBrk="0" hangingPunct="1">
+      <a:defRPr sz="1800" kern="1200">
+        <a:solidFill>
+          <a:schemeClr val="tx1"/>
+        </a:solidFill>
+        <a:latin typeface="+mn-lt"/>
+        <a:ea typeface="+mn-ea"/>
+        <a:cs typeface="+mn-cs"/>
+      </a:defRPr>
+    </a:lvl2pPr>
+    <a:lvl3pPr marL="914400" algn="l" defTabSz="914400" rtl="0" eaLnBrk="1" latinLnBrk="0" hangingPunct="1">
+      <a:defRPr sz="1800" kern="1200">
+        <a:solidFill>
+          <a:schemeClr val="tx1"/>
+        </a:solidFill>
+        <a:latin typeface="+mn-lt"/>
+        <a:ea typeface="+mn-ea"/>
+        <a:cs typeface="+mn-cs"/>
+      </a:defRPr>
+    </a:lvl3pPr>
+    <a:lvl4pPr marL="1371600" algn="l" defTabSz="914400" rtl="0" eaLnBrk="1" latinLnBrk="0" hangingPunct="1">
+      <a:defRPr sz="1800" kern="1200">
+        <a:solidFill>
+          <a:schemeClr val="tx1"/>
+        </a:solidFill>
+        <a:latin typeface="+mn-lt"/>
+        <a:ea typeface="+mn-ea"/>
+        <a:cs typeface="+mn-cs"/>
+      </a:defRPr>
+    </a:lvl4pPr>
+    <a:lvl5pPr marL="1828800" algn="l" defTabSz="914400" rtl="0" eaLnBrk="1" latinLnBrk="0" hangingPunct="1">
+      <a:defRPr sz="1800" kern="1200">
+        <a:solidFill>
+          <a:schemeClr val="tx1"/>
+        </a:solidFill>
+        <a:latin typeface="+mn-lt"/>
+        <a:ea typeface="+mn-ea"/>
+        <a:cs typeface="+mn-cs"/>
+      </a:defRPr>
+    </a:lvl5pPr>
+    <a:lvl6pPr marL="2286000" algn="l" defTabSz="914400" rtl="0" eaLnBrk="1" latinLnBrk="0" hangingPunct="1">
+      <a:defRPr sz="1800" kern="1200">
+        <a:solidFill>
+          <a:schemeClr val="tx1"/>
+        </a:solidFill>
+        <a:latin typeface="+mn-lt"/>
+        <a:ea typeface="+mn-ea"/>
+        <a:cs typeface="+mn-cs"/>
+      </a:defRPr>
+    </a:lvl6pPr>
+    <a:lvl7pPr marL="2743200" algn="l" defTabSz="914400" rtl="0" eaLnBrk="1" latinLnBrk="0" hangingPunct="1">
+      <a:defRPr sz="1800" kern="1200">
+        <a:solidFill>
+          <a:schemeClr val="tx1"/>
+        </a:solidFill>
+        <a:latin typeface="+mn-lt"/>
+        <a:ea typeface="+mn-ea"/>
+        <a:cs typeface="+mn-cs"/>
+      </a:defRPr>
+    </a:lvl7pPr>
+    <a:lvl8pPr marL="3200400" algn="l" defTabSz="914400" rtl="0" eaLnBrk="1" latinLnBrk="0" hangingPunct="1">
+      <a:defRPr sz="1800" kern="1200">
+        <a:solidFill>
+          <a:schemeClr val="tx1"/>
+        </a:solidFill>
+        <a:latin typeface="+mn-lt"/>
+        <a:ea typeface="+mn-ea"/>
+        <a:cs typeface="+mn-cs"/>
+      </a:defRPr>
+    </a:lvl8pPr>
+    <a:lvl9pPr marL="3657600" algn="l" defTabSz="914400" rtl="0" eaLnBrk="1" latinLnBrk="0" hangingPunct="1">
+      <a:defRPr sz="1800" kern="1200">
+        <a:solidFill>
+          <a:schemeClr val="tx1"/>
+        </a:solidFill>
+        <a:latin typeface="+mn-lt"/>
+        <a:ea typeface="+mn-ea"/>
+        <a:cs typeface="+mn-cs"/>
+      </a:defRPr>
+    </a:lvl9pPr>
+  </p:defaultTextStyle>
+  <p:extLst>
+    <p:ext uri="{EFAFB233-063F-42B5-8137-9DF3F51BA10A}">
+      <p15:sldGuideLst xmlns:p15="http://schemas.microsoft.com/office/powerpoint/2012/main"/>
+    </p:ext>
+  </p:extLst>
 </p:presentation>
 </file>
 
@@ -64,234 +152,10 @@
           <a:chExt cx="0" cy="0"/>
         </a:xfrm>
       </p:grpSpPr>
-      <p:sp>
-        <p:nvSpPr>
-          <p:cNvPr id="2" name="Header Placeholder 1"/>
-          <p:cNvSpPr>
-            <a:spLocks noGrp="1"/>
-          </p:cNvSpPr>
-          <p:nvPr>
-            <p:ph type="hdr" sz="quarter"/>
-          </p:nvPr>
-        </p:nvSpPr>
-        <p:spPr>
-          <a:xfrm>
-            <a:off x="0" y="0"/>
-            <a:ext cx="2971800" cy="458788"/>
-          </a:xfrm>
-          <a:prstGeom prst="rect">
-            <a:avLst/>
-          </a:prstGeom>
-        </p:spPr>
-        <p:txBody>
-          <a:bodyPr vert="horz" lIns="91440" tIns="45720" rIns="91440" bIns="45720" rtlCol="0"/>
-          <a:lstStyle>
-            <a:lvl1pPr algn="l">
-              <a:defRPr sz="1200"/>
-            </a:lvl1pPr>
-          </a:lstStyle>
-          <a:p>
-            <a:endParaRPr lang="en-US"/>
-          </a:p>
-        </p:txBody>
-      </p:sp>
-      <p:sp>
-        <p:nvSpPr>
-          <p:cNvPr id="3" name="Date Placeholder 2"/>
-          <p:cNvSpPr>
-            <a:spLocks noGrp="1"/>
-          </p:cNvSpPr>
-          <p:nvPr>
-            <p:ph type="dt" idx="1"/>
-          </p:nvPr>
-        </p:nvSpPr>
-        <p:spPr>
-          <a:xfrm>
-            <a:off x="3884613" y="0"/>
-            <a:ext cx="2971800" cy="458788"/>
-          </a:xfrm>
-          <a:prstGeom prst="rect">
-            <a:avLst/>
-          </a:prstGeom>
-        </p:spPr>
-        <p:txBody>
-          <a:bodyPr vert="horz" lIns="91440" tIns="45720" rIns="91440" bIns="45720" rtlCol="0"/>
-          <a:lstStyle>
-            <a:lvl1pPr algn="r">
-              <a:defRPr sz="1200"/>
-            </a:lvl1pPr>
-          </a:lstStyle>
-          <a:p>
-            <a:fld id="{5282F153-3F37-0F45-9E97-73ACFA13230C}" type="datetimeFigureOut">
-              <a:rPr lang="en-US"/>
-              <a:t>7/23/19</a:t>
-            </a:fld>
-            <a:endParaRPr lang="en-US"/>
-          </a:p>
-        </p:txBody>
-      </p:sp>
-      <p:sp>
-        <p:nvSpPr>
-          <p:cNvPr id="4" name="Slide Image Placeholder 3"/>
-          <p:cNvSpPr>
-            <a:spLocks noGrp="1" noRot="1" noChangeAspect="1"/>
-          </p:cNvSpPr>
-          <p:nvPr>
-            <p:ph type="sldImg" idx="2"/>
-          </p:nvPr>
-        </p:nvSpPr>
-        <p:spPr>
-          <a:xfrm>
-            <a:off x="685800" y="1143000"/>
-            <a:ext cx="5486400" cy="3086100"/>
-          </a:xfrm>
-          <a:prstGeom prst="rect">
-            <a:avLst/>
-          </a:prstGeom>
-          <a:noFill/>
-          <a:ln w="12700">
-            <a:solidFill>
-              <a:prstClr val="black"/>
-            </a:solidFill>
-          </a:ln>
-        </p:spPr>
-        <p:txBody>
-          <a:bodyPr vert="horz" lIns="91440" tIns="45720" rIns="91440" bIns="45720" rtlCol="0" anchor="ctr"/>
-          <a:lstStyle/>
-          <a:p>
-            <a:endParaRPr lang="en-US"/>
-          </a:p>
-        </p:txBody>
-      </p:sp>
-      <p:sp>
-        <p:nvSpPr>
-          <p:cNvPr id="5" name="Notes Placeholder 4"/>
-          <p:cNvSpPr>
-            <a:spLocks noGrp="1"/>
-          </p:cNvSpPr>
-          <p:nvPr>
-            <p:ph type="body" sz="quarter" idx="3"/>
-          </p:nvPr>
-        </p:nvSpPr>
-        <p:spPr>
-          <a:xfrm>
-            <a:off x="685800" y="4400550"/>
-            <a:ext cx="5486400" cy="3600450"/>
-          </a:xfrm>
-          <a:prstGeom prst="rect">
-            <a:avLst/>
-          </a:prstGeom>
-        </p:spPr>
-        <p:txBody>
-          <a:bodyPr vert="horz" lIns="91440" tIns="45720" rIns="91440" bIns="45720" rtlCol="0"/>
-          <a:lstStyle/>
-          <a:p>
-            <a:pPr lvl="0"/>
-            <a:r>
-              <a:rPr lang="en-US"/>
-              <a:t>Click to edit Master text styles</a:t>
-            </a:r>
-          </a:p>
-          <a:p>
-            <a:pPr lvl="1"/>
-            <a:r>
-              <a:rPr lang="en-US"/>
-              <a:t>Second level</a:t>
-            </a:r>
-          </a:p>
-          <a:p>
-            <a:pPr lvl="2"/>
-            <a:r>
-              <a:rPr lang="en-US"/>
-              <a:t>Third level</a:t>
-            </a:r>
-          </a:p>
-          <a:p>
-            <a:pPr lvl="3"/>
-            <a:r>
-              <a:rPr lang="en-US"/>
-              <a:t>Fourth level</a:t>
-            </a:r>
-          </a:p>
-          <a:p>
-            <a:pPr lvl="4"/>
-            <a:r>
-              <a:rPr lang="en-US"/>
-              <a:t>Fifth level</a:t>
-            </a:r>
-          </a:p>
-        </p:txBody>
-      </p:sp>
-      <p:sp>
-        <p:nvSpPr>
-          <p:cNvPr id="6" name="Footer Placeholder 5"/>
-          <p:cNvSpPr>
-            <a:spLocks noGrp="1"/>
-          </p:cNvSpPr>
-          <p:nvPr>
-            <p:ph type="ftr" sz="quarter" idx="4"/>
-          </p:nvPr>
-        </p:nvSpPr>
-        <p:spPr>
-          <a:xfrm>
-            <a:off x="0" y="8685213"/>
-            <a:ext cx="2971800" cy="458787"/>
-          </a:xfrm>
-          <a:prstGeom prst="rect">
-            <a:avLst/>
-          </a:prstGeom>
-        </p:spPr>
-        <p:txBody>
-          <a:bodyPr vert="horz" lIns="91440" tIns="45720" rIns="91440" bIns="45720" rtlCol="0" anchor="b"/>
-          <a:lstStyle>
-            <a:lvl1pPr algn="l">
-              <a:defRPr sz="1200"/>
-            </a:lvl1pPr>
-          </a:lstStyle>
-          <a:p>
-            <a:endParaRPr lang="en-US"/>
-          </a:p>
-        </p:txBody>
-      </p:sp>
-      <p:sp>
-        <p:nvSpPr>
-          <p:cNvPr id="7" name="Slide Number Placeholder 6"/>
-          <p:cNvSpPr>
-            <a:spLocks noGrp="1"/>
-          </p:cNvSpPr>
-          <p:nvPr>
-            <p:ph type="sldNum" sz="quarter" idx="5"/>
-          </p:nvPr>
-        </p:nvSpPr>
-        <p:spPr>
-          <a:xfrm>
-            <a:off x="3884613" y="8685213"/>
-            <a:ext cx="2971800" cy="458787"/>
-          </a:xfrm>
-          <a:prstGeom prst="rect">
-            <a:avLst/>
-          </a:prstGeom>
-        </p:spPr>
-        <p:txBody>
-          <a:bodyPr vert="horz" lIns="91440" tIns="45720" rIns="91440" bIns="45720" rtlCol="0" anchor="b"/>
-          <a:lstStyle>
-            <a:lvl1pPr algn="r">
-              <a:defRPr sz="1200"/>
-            </a:lvl1pPr>
-          </a:lstStyle>
-          <a:p>
-            <a:fld id="{CE5E9CC1-C706-0F49-92D6-E571CC5EEA8F}" type="slidenum">
-              <a:rPr lang="en-US"/>
-              <a:t>‹#›</a:t>
-            </a:fld>
-            <a:endParaRPr lang="en-US"/>
-          </a:p>
-        </p:txBody>
-      </p:sp>
     </p:spTree>
     <p:extLst>
       <p:ext uri="{BB962C8B-B14F-4D97-AF65-F5344CB8AC3E}">
-        <p14:creationId xmlns:p14="http://schemas.microsoft.com/office/powerpoint/2010/main" val="1024086991"/>
+        <p14:creationId xmlns:p14="http://schemas.microsoft.com/office/powerpoint/2010/main" val="986170875"/>
       </p:ext>
     </p:extLst>
   </p:cSld>
@@ -435,10 +299,6 @@
           <a:bodyPr/>
           <a:lstStyle/>
           <a:p>
-            <a:r>
-              <a:rPr lang="en-US" dirty="0"/>
-              <a:t/>
-            </a:r>
             <a:endParaRPr lang="en-US" dirty="0"/>
           </a:p>
         </p:txBody>
@@ -523,10 +383,6 @@
           <a:bodyPr/>
           <a:lstStyle/>
           <a:p>
-            <a:r>
-              <a:rPr lang="en-US" dirty="0"/>
-              <a:t/>
-            </a:r>
             <a:endParaRPr lang="en-US" dirty="0"/>
           </a:p>
         </p:txBody>
@@ -657,7 +513,7 @@
       <p:pic>
         <p:nvPicPr>
           <p:cNvPr id="4" name="Image 0" descr="preencoded.png">
-            <a:hlinkClick r:id="rId2" tooltip=""/>
+            <a:hlinkClick r:id="rId2"/>
           </p:cNvPr>
           <p:cNvPicPr>
             <a:picLocks noChangeAspect="1"/>
@@ -665,7 +521,7 @@
           <p:nvPr/>
         </p:nvPicPr>
         <p:blipFill>
-          <a:blip r:embed="rId1"/>
+          <a:blip r:embed="rId3"/>
           <a:stretch>
             <a:fillRect/>
           </a:stretch>
@@ -748,7 +604,7 @@
       <p:pic>
         <p:nvPicPr>
           <p:cNvPr id="4" name="Image 0" descr="preencoded.png">
-            <a:hlinkClick r:id="rId2" tooltip=""/>
+            <a:hlinkClick r:id="rId2"/>
           </p:cNvPr>
           <p:cNvPicPr>
             <a:picLocks noChangeAspect="1"/>
@@ -756,7 +612,7 @@
           <p:nvPr/>
         </p:nvPicPr>
         <p:blipFill>
-          <a:blip r:embed="rId1"/>
+          <a:blip r:embed="rId3"/>
           <a:stretch>
             <a:fillRect/>
           </a:stretch>
@@ -782,6 +638,11 @@
 <file path=ppt/slideMasters/slideMaster1.xml><?xml version="1.0" encoding="utf-8"?>
 <p:sldMaster xmlns:a="http://schemas.openxmlformats.org/drawingml/2006/main" xmlns:r="http://schemas.openxmlformats.org/officeDocument/2006/relationships" xmlns:p="http://schemas.openxmlformats.org/presentationml/2006/main">
   <p:cSld>
+    <p:bg>
+      <p:bgRef idx="1001">
+        <a:schemeClr val="bg1"/>
+      </p:bgRef>
+    </p:bg>
     <p:spTree>
       <p:nvGrpSpPr>
         <p:cNvPr id="1" name=""/>
@@ -1077,14 +938,14 @@
       </p:grpSpPr>
       <p:pic>
         <p:nvPicPr>
-          <p:cNvPr id="2" name="Image 0" descr="preencoded.png">    </p:cNvPr>
+          <p:cNvPr id="2" name="Image 0" descr="preencoded.png"/>
           <p:cNvPicPr>
             <a:picLocks noChangeAspect="1"/>
           </p:cNvPicPr>
           <p:nvPr/>
         </p:nvPicPr>
         <p:blipFill>
-          <a:blip r:embed="rId1"/>
+          <a:blip r:embed="rId3"/>
           <a:stretch>
             <a:fillRect/>
           </a:stretch>
@@ -1120,7 +981,7 @@
           <a:bodyPr wrap="square" lIns="0" tIns="0" rIns="0" bIns="0" rtlCol="0" anchor="t"/>
           <a:lstStyle/>
           <a:p>
-            <a:pPr algn="l" indent="0" marL="0">
+            <a:pPr marL="0" indent="0" algn="l">
               <a:lnSpc>
                 <a:spcPts val="5550"/>
               </a:lnSpc>
@@ -1162,7 +1023,7 @@
           <a:bodyPr wrap="square" lIns="0" tIns="0" rIns="0" bIns="0" rtlCol="0" anchor="t"/>
           <a:lstStyle/>
           <a:p>
-            <a:pPr algn="l" indent="0" marL="0">
+            <a:pPr marL="0" indent="0" algn="l">
               <a:lnSpc>
                 <a:spcPts val="2850"/>
               </a:lnSpc>
@@ -1179,7 +1040,43 @@
               </a:rPr>
               <a:t>Unlocking User Behavior Insights</a:t>
             </a:r>
-            <a:pPr algn="l" indent="0" marL="0">
+            <a:r>
+              <a:rPr lang="en-US" sz="1750" dirty="0">
+                <a:solidFill>
+                  <a:srgbClr val="333F70"/>
+                </a:solidFill>
+                <a:latin typeface="Open Sans" pitchFamily="34" charset="0"/>
+                <a:ea typeface="Open Sans" pitchFamily="34" charset="-122"/>
+                <a:cs typeface="Open Sans" pitchFamily="34" charset="-120"/>
+              </a:rPr>
+              <a:t> from the 2019-Oct eCommerce Multi-Category Store Dataset.</a:t>
+            </a:r>
+            <a:endParaRPr lang="en-US" sz="1750" dirty="0"/>
+          </a:p>
+        </p:txBody>
+      </p:sp>
+      <p:sp>
+        <p:nvSpPr>
+          <p:cNvPr id="5" name="Text 2"/>
+          <p:cNvSpPr/>
+          <p:nvPr/>
+        </p:nvSpPr>
+        <p:spPr>
+          <a:xfrm>
+            <a:off x="6280190" y="5821442"/>
+            <a:ext cx="7556421" cy="1451610"/>
+          </a:xfrm>
+          <a:prstGeom prst="rect">
+            <a:avLst/>
+          </a:prstGeom>
+          <a:noFill/>
+          <a:ln/>
+        </p:spPr>
+        <p:txBody>
+          <a:bodyPr wrap="square" lIns="0" tIns="0" rIns="0" bIns="0" rtlCol="0" anchor="t"/>
+          <a:lstStyle/>
+          <a:p>
+            <a:pPr marL="0" indent="0" algn="l">
               <a:lnSpc>
                 <a:spcPts val="2850"/>
               </a:lnSpc>
@@ -1194,7 +1091,7 @@
                 <a:ea typeface="Open Sans" pitchFamily="34" charset="-122"/>
                 <a:cs typeface="Open Sans" pitchFamily="34" charset="-120"/>
               </a:rPr>
-              <a:t> from the 2019-Oct eCommerce Multi-Category Store Dataset.</a:t>
+              <a:t>This presentation explores our approach to predicting the next user event within a shopping session, leveraging big data tools and machine learning to enhance e-commerce recommendations and user experience.</a:t>
             </a:r>
             <a:endParaRPr lang="en-US" sz="1750" dirty="0"/>
           </a:p>
@@ -1202,43 +1099,55 @@
       </p:sp>
       <p:sp>
         <p:nvSpPr>
-          <p:cNvPr id="5" name="Text 2"/>
+          <p:cNvPr id="6" name="Rectangle 5">
+            <a:extLst>
+              <a:ext uri="{FF2B5EF4-FFF2-40B4-BE49-F238E27FC236}">
+                <a16:creationId xmlns:a16="http://schemas.microsoft.com/office/drawing/2014/main" id="{FCF0EBEC-7939-09D3-4918-D73449A53A0E}"/>
+              </a:ext>
+            </a:extLst>
+          </p:cNvPr>
           <p:cNvSpPr/>
           <p:nvPr/>
         </p:nvSpPr>
         <p:spPr>
           <a:xfrm>
-            <a:off x="6280190" y="5821442"/>
-            <a:ext cx="7556421" cy="1451610"/>
-          </a:xfrm>
-          <a:prstGeom prst="rect">
-            <a:avLst/>
-          </a:prstGeom>
-          <a:noFill/>
-          <a:ln/>
-        </p:spPr>
+            <a:off x="12843164" y="7782791"/>
+            <a:ext cx="1693718" cy="322118"/>
+          </a:xfrm>
+          <a:prstGeom prst="rect">
+            <a:avLst/>
+          </a:prstGeom>
+          <a:solidFill>
+            <a:srgbClr val="FFFFFF"/>
+          </a:solidFill>
+          <a:ln>
+            <a:solidFill>
+              <a:srgbClr val="FFFFFF"/>
+            </a:solidFill>
+          </a:ln>
+        </p:spPr>
+        <p:style>
+          <a:lnRef idx="2">
+            <a:schemeClr val="accent1">
+              <a:shade val="15000"/>
+            </a:schemeClr>
+          </a:lnRef>
+          <a:fillRef idx="1">
+            <a:schemeClr val="accent1"/>
+          </a:fillRef>
+          <a:effectRef idx="0">
+            <a:schemeClr val="accent1"/>
+          </a:effectRef>
+          <a:fontRef idx="minor">
+            <a:schemeClr val="lt1"/>
+          </a:fontRef>
+        </p:style>
         <p:txBody>
-          <a:bodyPr wrap="square" lIns="0" tIns="0" rIns="0" bIns="0" rtlCol="0" anchor="t"/>
+          <a:bodyPr rtlCol="0" anchor="ctr"/>
           <a:lstStyle/>
           <a:p>
-            <a:pPr algn="l" indent="0" marL="0">
-              <a:lnSpc>
-                <a:spcPts val="2850"/>
-              </a:lnSpc>
-              <a:buNone/>
-            </a:pPr>
-            <a:r>
-              <a:rPr lang="en-US" sz="1750" dirty="0">
-                <a:solidFill>
-                  <a:srgbClr val="333F70"/>
-                </a:solidFill>
-                <a:latin typeface="Open Sans" pitchFamily="34" charset="0"/>
-                <a:ea typeface="Open Sans" pitchFamily="34" charset="-122"/>
-                <a:cs typeface="Open Sans" pitchFamily="34" charset="-120"/>
-              </a:rPr>
-              <a:t>This presentation explores our approach to predicting the next user event within a shopping session, leveraging big data tools and machine learning to enhance e-commerce recommendations and user experience.</a:t>
-            </a:r>
-            <a:endParaRPr lang="en-US" sz="1750" dirty="0"/>
+            <a:pPr algn="ctr"/>
+            <a:endParaRPr lang="en-PK"/>
           </a:p>
         </p:txBody>
       </p:sp>
@@ -1288,7 +1197,7 @@
           <a:bodyPr wrap="none" lIns="0" tIns="0" rIns="0" bIns="0" rtlCol="0" anchor="t"/>
           <a:lstStyle/>
           <a:p>
-            <a:pPr algn="l" indent="0" marL="0">
+            <a:pPr marL="0" indent="0" algn="l">
               <a:lnSpc>
                 <a:spcPts val="3400"/>
               </a:lnSpc>
@@ -1330,7 +1239,7 @@
           <a:bodyPr wrap="none" lIns="0" tIns="0" rIns="0" bIns="0" rtlCol="0" anchor="t"/>
           <a:lstStyle/>
           <a:p>
-            <a:pPr algn="l" indent="0" marL="0">
+            <a:pPr marL="0" indent="0" algn="l">
               <a:lnSpc>
                 <a:spcPts val="1700"/>
               </a:lnSpc>
@@ -1372,7 +1281,7 @@
           <a:bodyPr wrap="none" lIns="0" tIns="0" rIns="0" bIns="0" rtlCol="0" anchor="t"/>
           <a:lstStyle/>
           <a:p>
-            <a:pPr algn="l" marL="342900" indent="-342900">
+            <a:pPr marL="342900" indent="-342900" algn="l">
               <a:lnSpc>
                 <a:spcPts val="1750"/>
               </a:lnSpc>
@@ -1390,12 +1299,6 @@
               </a:rPr>
               <a:t>Features Used:</a:t>
             </a:r>
-            <a:pPr algn="l" indent="0" marL="0">
-              <a:lnSpc>
-                <a:spcPts val="1750"/>
-              </a:lnSpc>
-              <a:buNone/>
-            </a:pPr>
             <a:r>
               <a:rPr lang="en-US" sz="1100" dirty="0">
                 <a:solidFill>
@@ -1407,12 +1310,6 @@
               </a:rPr>
               <a:t> </a:t>
             </a:r>
-            <a:pPr algn="l" indent="0" marL="0">
-              <a:lnSpc>
-                <a:spcPts val="1750"/>
-              </a:lnSpc>
-              <a:buNone/>
-            </a:pPr>
             <a:r>
               <a:rPr lang="en-US" sz="1100" dirty="0">
                 <a:solidFill>
@@ -1427,12 +1324,6 @@
               </a:rPr>
               <a:t>event_time</a:t>
             </a:r>
-            <a:pPr algn="l" indent="0" marL="0">
-              <a:lnSpc>
-                <a:spcPts val="1750"/>
-              </a:lnSpc>
-              <a:buNone/>
-            </a:pPr>
             <a:r>
               <a:rPr lang="en-US" sz="1100" dirty="0">
                 <a:solidFill>
@@ -1444,12 +1335,6 @@
               </a:rPr>
               <a:t>, </a:t>
             </a:r>
-            <a:pPr algn="l" indent="0" marL="0">
-              <a:lnSpc>
-                <a:spcPts val="1750"/>
-              </a:lnSpc>
-              <a:buNone/>
-            </a:pPr>
             <a:r>
               <a:rPr lang="en-US" sz="1100" dirty="0">
                 <a:solidFill>
@@ -1464,12 +1349,6 @@
               </a:rPr>
               <a:t>event_type</a:t>
             </a:r>
-            <a:pPr algn="l" indent="0" marL="0">
-              <a:lnSpc>
-                <a:spcPts val="1750"/>
-              </a:lnSpc>
-              <a:buNone/>
-            </a:pPr>
             <a:r>
               <a:rPr lang="en-US" sz="1100" dirty="0">
                 <a:solidFill>
@@ -1481,12 +1360,6 @@
               </a:rPr>
               <a:t>, </a:t>
             </a:r>
-            <a:pPr algn="l" indent="0" marL="0">
-              <a:lnSpc>
-                <a:spcPts val="1750"/>
-              </a:lnSpc>
-              <a:buNone/>
-            </a:pPr>
             <a:r>
               <a:rPr lang="en-US" sz="1100" dirty="0">
                 <a:solidFill>
@@ -1501,12 +1374,6 @@
               </a:rPr>
               <a:t>price</a:t>
             </a:r>
-            <a:pPr algn="l" indent="0" marL="0">
-              <a:lnSpc>
-                <a:spcPts val="1750"/>
-              </a:lnSpc>
-              <a:buNone/>
-            </a:pPr>
             <a:r>
               <a:rPr lang="en-US" sz="1100" dirty="0">
                 <a:solidFill>
@@ -1518,12 +1385,6 @@
               </a:rPr>
               <a:t>, </a:t>
             </a:r>
-            <a:pPr algn="l" indent="0" marL="0">
-              <a:lnSpc>
-                <a:spcPts val="1750"/>
-              </a:lnSpc>
-              <a:buNone/>
-            </a:pPr>
             <a:r>
               <a:rPr lang="en-US" sz="1100" dirty="0">
                 <a:solidFill>
@@ -1538,12 +1399,6 @@
               </a:rPr>
               <a:t>user_session</a:t>
             </a:r>
-            <a:pPr algn="l" indent="0" marL="0">
-              <a:lnSpc>
-                <a:spcPts val="1750"/>
-              </a:lnSpc>
-              <a:buNone/>
-            </a:pPr>
             <a:r>
               <a:rPr lang="en-US" sz="1100" dirty="0">
                 <a:solidFill>
@@ -1580,7 +1435,7 @@
           <a:bodyPr wrap="none" lIns="0" tIns="0" rIns="0" bIns="0" rtlCol="0" anchor="t"/>
           <a:lstStyle/>
           <a:p>
-            <a:pPr algn="l" marL="342900" indent="-342900">
+            <a:pPr marL="342900" indent="-342900" algn="l">
               <a:lnSpc>
                 <a:spcPts val="1750"/>
               </a:lnSpc>
@@ -1623,7 +1478,7 @@
           <a:bodyPr wrap="none" lIns="0" tIns="0" rIns="0" bIns="0" rtlCol="0" anchor="t"/>
           <a:lstStyle/>
           <a:p>
-            <a:pPr algn="l" lvl="1" marL="685800" indent="-342900">
+            <a:pPr marL="685800" lvl="1" indent="-342900" algn="l">
               <a:lnSpc>
                 <a:spcPts val="1750"/>
               </a:lnSpc>
@@ -1666,7 +1521,7 @@
           <a:bodyPr wrap="none" lIns="0" tIns="0" rIns="0" bIns="0" rtlCol="0" anchor="t"/>
           <a:lstStyle/>
           <a:p>
-            <a:pPr algn="l" lvl="1" marL="685800" indent="-342900">
+            <a:pPr marL="685800" lvl="1" indent="-342900" algn="l">
               <a:lnSpc>
                 <a:spcPts val="1750"/>
               </a:lnSpc>
@@ -1684,12 +1539,6 @@
               </a:rPr>
               <a:t>Creation of </a:t>
             </a:r>
-            <a:pPr algn="l" lvl="1" indent="0" marL="0">
-              <a:lnSpc>
-                <a:spcPts val="1750"/>
-              </a:lnSpc>
-              <a:buNone/>
-            </a:pPr>
             <a:r>
               <a:rPr lang="en-US" sz="1100" dirty="0">
                 <a:solidFill>
@@ -1704,12 +1553,6 @@
               </a:rPr>
               <a:t>next_event</a:t>
             </a:r>
-            <a:pPr algn="l" lvl="1" indent="0" marL="0">
-              <a:lnSpc>
-                <a:spcPts val="1750"/>
-              </a:lnSpc>
-              <a:buNone/>
-            </a:pPr>
             <a:r>
               <a:rPr lang="en-US" sz="1100" dirty="0">
                 <a:solidFill>
@@ -1746,7 +1589,7 @@
           <a:bodyPr wrap="none" lIns="0" tIns="0" rIns="0" bIns="0" rtlCol="0" anchor="t"/>
           <a:lstStyle/>
           <a:p>
-            <a:pPr algn="l" lvl="1" marL="685800" indent="-342900">
+            <a:pPr marL="685800" lvl="1" indent="-342900" algn="l">
               <a:lnSpc>
                 <a:spcPts val="1750"/>
               </a:lnSpc>
@@ -1764,12 +1607,6 @@
               </a:rPr>
               <a:t>Extraction of temporal features (</a:t>
             </a:r>
-            <a:pPr algn="l" lvl="1" indent="0" marL="0">
-              <a:lnSpc>
-                <a:spcPts val="1750"/>
-              </a:lnSpc>
-              <a:buNone/>
-            </a:pPr>
             <a:r>
               <a:rPr lang="en-US" sz="1100" dirty="0">
                 <a:solidFill>
@@ -1784,12 +1621,6 @@
               </a:rPr>
               <a:t>hour</a:t>
             </a:r>
-            <a:pPr algn="l" lvl="1" indent="0" marL="0">
-              <a:lnSpc>
-                <a:spcPts val="1750"/>
-              </a:lnSpc>
-              <a:buNone/>
-            </a:pPr>
             <a:r>
               <a:rPr lang="en-US" sz="1100" dirty="0">
                 <a:solidFill>
@@ -1801,12 +1632,6 @@
               </a:rPr>
               <a:t>, </a:t>
             </a:r>
-            <a:pPr algn="l" lvl="1" indent="0" marL="0">
-              <a:lnSpc>
-                <a:spcPts val="1750"/>
-              </a:lnSpc>
-              <a:buNone/>
-            </a:pPr>
             <a:r>
               <a:rPr lang="en-US" sz="1100" dirty="0">
                 <a:solidFill>
@@ -1821,12 +1646,6 @@
               </a:rPr>
               <a:t>dayofweek</a:t>
             </a:r>
-            <a:pPr algn="l" lvl="1" indent="0" marL="0">
-              <a:lnSpc>
-                <a:spcPts val="1750"/>
-              </a:lnSpc>
-              <a:buNone/>
-            </a:pPr>
             <a:r>
               <a:rPr lang="en-US" sz="1100" dirty="0">
                 <a:solidFill>
@@ -1863,7 +1682,7 @@
           <a:bodyPr wrap="none" lIns="0" tIns="0" rIns="0" bIns="0" rtlCol="0" anchor="t"/>
           <a:lstStyle/>
           <a:p>
-            <a:pPr algn="l" lvl="1" marL="685800" indent="-342900">
+            <a:pPr marL="685800" lvl="1" indent="-342900" algn="l">
               <a:lnSpc>
                 <a:spcPts val="1750"/>
               </a:lnSpc>
@@ -1906,7 +1725,7 @@
           <a:bodyPr wrap="none" lIns="0" tIns="0" rIns="0" bIns="0" rtlCol="0" anchor="t"/>
           <a:lstStyle/>
           <a:p>
-            <a:pPr algn="l" indent="0" marL="0">
+            <a:pPr marL="0" indent="0" algn="l">
               <a:lnSpc>
                 <a:spcPts val="1700"/>
               </a:lnSpc>
@@ -1948,7 +1767,7 @@
           <a:bodyPr wrap="none" lIns="0" tIns="0" rIns="0" bIns="0" rtlCol="0" anchor="t"/>
           <a:lstStyle/>
           <a:p>
-            <a:pPr algn="l" marL="342900" indent="-342900">
+            <a:pPr marL="342900" indent="-342900" algn="l">
               <a:lnSpc>
                 <a:spcPts val="1750"/>
               </a:lnSpc>
@@ -1966,12 +1785,6 @@
               </a:rPr>
               <a:t>Model:</a:t>
             </a:r>
-            <a:pPr algn="l" indent="0" marL="0">
-              <a:lnSpc>
-                <a:spcPts val="1750"/>
-              </a:lnSpc>
-              <a:buNone/>
-            </a:pPr>
             <a:r>
               <a:rPr lang="en-US" sz="1100" dirty="0">
                 <a:solidFill>
@@ -2008,7 +1821,7 @@
           <a:bodyPr wrap="square" lIns="0" tIns="0" rIns="0" bIns="0" rtlCol="0" anchor="t"/>
           <a:lstStyle/>
           <a:p>
-            <a:pPr algn="l" marL="342900" indent="-342900">
+            <a:pPr marL="342900" indent="-342900" algn="l">
               <a:lnSpc>
                 <a:spcPts val="1750"/>
               </a:lnSpc>
@@ -2026,12 +1839,6 @@
               </a:rPr>
               <a:t>Pipeline Steps:</a:t>
             </a:r>
-            <a:pPr algn="l" indent="0" marL="0">
-              <a:lnSpc>
-                <a:spcPts val="1750"/>
-              </a:lnSpc>
-              <a:buNone/>
-            </a:pPr>
             <a:r>
               <a:rPr lang="en-US" sz="1100" dirty="0">
                 <a:solidFill>
@@ -2043,12 +1850,6 @@
               </a:rPr>
               <a:t> </a:t>
             </a:r>
-            <a:pPr algn="l" indent="0" marL="0">
-              <a:lnSpc>
-                <a:spcPts val="1750"/>
-              </a:lnSpc>
-              <a:buNone/>
-            </a:pPr>
             <a:r>
               <a:rPr lang="en-US" sz="1100" dirty="0">
                 <a:solidFill>
@@ -2063,12 +1864,6 @@
               </a:rPr>
               <a:t>StringIndexer</a:t>
             </a:r>
-            <a:pPr algn="l" indent="0" marL="0">
-              <a:lnSpc>
-                <a:spcPts val="1750"/>
-              </a:lnSpc>
-              <a:buNone/>
-            </a:pPr>
             <a:r>
               <a:rPr lang="en-US" sz="1100" dirty="0">
                 <a:solidFill>
@@ -2080,12 +1875,6 @@
               </a:rPr>
               <a:t> for labels, </a:t>
             </a:r>
-            <a:pPr algn="l" indent="0" marL="0">
-              <a:lnSpc>
-                <a:spcPts val="1750"/>
-              </a:lnSpc>
-              <a:buNone/>
-            </a:pPr>
             <a:r>
               <a:rPr lang="en-US" sz="1100" dirty="0">
                 <a:solidFill>
@@ -2100,12 +1889,6 @@
               </a:rPr>
               <a:t>VectorAssembler</a:t>
             </a:r>
-            <a:pPr algn="l" indent="0" marL="0">
-              <a:lnSpc>
-                <a:spcPts val="1750"/>
-              </a:lnSpc>
-              <a:buNone/>
-            </a:pPr>
             <a:r>
               <a:rPr lang="en-US" sz="1100" dirty="0">
                 <a:solidFill>
@@ -2142,7 +1925,7 @@
           <a:bodyPr wrap="none" lIns="0" tIns="0" rIns="0" bIns="0" rtlCol="0" anchor="t"/>
           <a:lstStyle/>
           <a:p>
-            <a:pPr algn="l" marL="342900" indent="-342900">
+            <a:pPr marL="342900" indent="-342900" algn="l">
               <a:lnSpc>
                 <a:spcPts val="1750"/>
               </a:lnSpc>
@@ -2160,7 +1943,107 @@
               </a:rPr>
               <a:t>Accuracy:</a:t>
             </a:r>
-            <a:pPr algn="l" indent="0" marL="0">
+            <a:r>
+              <a:rPr lang="en-US" sz="1100" dirty="0">
+                <a:solidFill>
+                  <a:srgbClr val="333F70"/>
+                </a:solidFill>
+                <a:latin typeface="Open Sans" pitchFamily="34" charset="0"/>
+                <a:ea typeface="Open Sans" pitchFamily="34" charset="-122"/>
+                <a:cs typeface="Open Sans" pitchFamily="34" charset="-120"/>
+              </a:rPr>
+              <a:t> Achieved approximately </a:t>
+            </a:r>
+            <a:r>
+              <a:rPr lang="en-US" sz="1100" dirty="0">
+                <a:solidFill>
+                  <a:srgbClr val="26A688"/>
+                </a:solidFill>
+                <a:latin typeface="Open Sans" pitchFamily="34" charset="0"/>
+                <a:ea typeface="Open Sans" pitchFamily="34" charset="-122"/>
+                <a:cs typeface="Open Sans" pitchFamily="34" charset="-120"/>
+              </a:rPr>
+              <a:t>0.72</a:t>
+            </a:r>
+            <a:r>
+              <a:rPr lang="en-US" sz="1100" dirty="0">
+                <a:solidFill>
+                  <a:srgbClr val="333F70"/>
+                </a:solidFill>
+                <a:latin typeface="Open Sans" pitchFamily="34" charset="0"/>
+                <a:ea typeface="Open Sans" pitchFamily="34" charset="-122"/>
+                <a:cs typeface="Open Sans" pitchFamily="34" charset="-120"/>
+              </a:rPr>
+              <a:t>.</a:t>
+            </a:r>
+            <a:endParaRPr lang="en-US" sz="1100" dirty="0"/>
+          </a:p>
+        </p:txBody>
+      </p:sp>
+      <p:sp>
+        <p:nvSpPr>
+          <p:cNvPr id="15" name="Text 12"/>
+          <p:cNvSpPr/>
+          <p:nvPr/>
+        </p:nvSpPr>
+        <p:spPr>
+          <a:xfrm>
+            <a:off x="2485808" y="5063251"/>
+            <a:ext cx="1748790" cy="218599"/>
+          </a:xfrm>
+          <a:prstGeom prst="rect">
+            <a:avLst/>
+          </a:prstGeom>
+          <a:noFill/>
+          <a:ln/>
+        </p:spPr>
+        <p:txBody>
+          <a:bodyPr wrap="none" lIns="0" tIns="0" rIns="0" bIns="0" rtlCol="0" anchor="t"/>
+          <a:lstStyle/>
+          <a:p>
+            <a:pPr marL="0" indent="0" algn="ctr">
+              <a:lnSpc>
+                <a:spcPts val="1700"/>
+              </a:lnSpc>
+              <a:buNone/>
+            </a:pPr>
+            <a:r>
+              <a:rPr lang="en-US" sz="1350" b="1" dirty="0">
+                <a:solidFill>
+                  <a:srgbClr val="333F70"/>
+                </a:solidFill>
+                <a:latin typeface="Unbounded Bold" pitchFamily="34" charset="0"/>
+                <a:ea typeface="Unbounded Bold" pitchFamily="34" charset="-122"/>
+                <a:cs typeface="Unbounded Bold" pitchFamily="34" charset="-120"/>
+              </a:rPr>
+              <a:t>Significance</a:t>
+            </a:r>
+            <a:endParaRPr lang="en-US" sz="1350" dirty="0"/>
+          </a:p>
+        </p:txBody>
+      </p:sp>
+      <p:sp>
+        <p:nvSpPr>
+          <p:cNvPr id="16" name="Text 13"/>
+          <p:cNvSpPr/>
+          <p:nvPr/>
+        </p:nvSpPr>
+        <p:spPr>
+          <a:xfrm>
+            <a:off x="489585" y="5499399"/>
+            <a:ext cx="6445210" cy="1091089"/>
+          </a:xfrm>
+          <a:prstGeom prst="rect">
+            <a:avLst/>
+          </a:prstGeom>
+          <a:noFill/>
+          <a:ln/>
+        </p:spPr>
+        <p:txBody>
+          <a:bodyPr wrap="square" lIns="0" tIns="0" rIns="0" bIns="0" rtlCol="0" anchor="t"/>
+          <a:lstStyle/>
+          <a:p>
+            <a:pPr marL="0" indent="0" algn="l">
               <a:lnSpc>
                 <a:spcPts val="1750"/>
               </a:lnSpc>
@@ -2175,79 +2058,47 @@
                 <a:ea typeface="Open Sans" pitchFamily="34" charset="-122"/>
                 <a:cs typeface="Open Sans" pitchFamily="34" charset="-120"/>
               </a:rPr>
-              <a:t> Achieved approximately </a:t>
-            </a:r>
-            <a:pPr algn="l" indent="0" marL="0">
-              <a:lnSpc>
-                <a:spcPts val="1750"/>
-              </a:lnSpc>
-              <a:buNone/>
-            </a:pPr>
-            <a:r>
-              <a:rPr lang="en-US" sz="1100" dirty="0">
-                <a:solidFill>
-                  <a:srgbClr val="26A688"/>
-                </a:solidFill>
-                <a:latin typeface="Open Sans" pitchFamily="34" charset="0"/>
-                <a:ea typeface="Open Sans" pitchFamily="34" charset="-122"/>
-                <a:cs typeface="Open Sans" pitchFamily="34" charset="-120"/>
-              </a:rPr>
-              <a:t>0.72</a:t>
-            </a:r>
-            <a:pPr algn="l" indent="0" marL="0">
-              <a:lnSpc>
-                <a:spcPts val="1750"/>
-              </a:lnSpc>
-              <a:buNone/>
-            </a:pPr>
-            <a:r>
-              <a:rPr lang="en-US" sz="1100" dirty="0">
-                <a:solidFill>
-                  <a:srgbClr val="333F70"/>
-                </a:solidFill>
-                <a:latin typeface="Open Sans" pitchFamily="34" charset="0"/>
-                <a:ea typeface="Open Sans" pitchFamily="34" charset="-122"/>
-                <a:cs typeface="Open Sans" pitchFamily="34" charset="-120"/>
-              </a:rPr>
-              <a:t>.</a:t>
+              <a:t>This predictive capability significantly enhances our understanding of user behavior within shopping sessions. It provides actionable insights to improve real-time recommendations, optimize user flow, and ultimately drive conversion rates in e-commerce platforms.</a:t>
             </a:r>
             <a:endParaRPr lang="en-US" sz="1100" dirty="0"/>
           </a:p>
         </p:txBody>
       </p:sp>
-      <p:pic>
-        <p:nvPicPr>
-          <p:cNvPr id="14" name="Image 0" descr="preencoded.png">    </p:cNvPr>
-          <p:cNvPicPr>
-            <a:picLocks noChangeAspect="1"/>
-          </p:cNvPicPr>
-          <p:nvPr/>
-        </p:nvPicPr>
-        <p:blipFill>
-          <a:blip r:embed="rId1"/>
-          <a:stretch>
-            <a:fillRect/>
-          </a:stretch>
-        </p:blipFill>
-        <p:spPr>
-          <a:xfrm>
-            <a:off x="7493437" y="1189077"/>
-            <a:ext cx="6654998" cy="6654998"/>
-          </a:xfrm>
-          <a:prstGeom prst="rect">
-            <a:avLst/>
-          </a:prstGeom>
-        </p:spPr>
-      </p:pic>
-      <p:sp>
-        <p:nvSpPr>
-          <p:cNvPr id="15" name="Text 12"/>
+      <p:sp>
+        <p:nvSpPr>
+          <p:cNvPr id="17" name="Shape 14"/>
           <p:cNvSpPr/>
           <p:nvPr/>
         </p:nvSpPr>
         <p:spPr>
           <a:xfrm>
-            <a:off x="9946481" y="8001476"/>
+            <a:off x="257414" y="5499399"/>
+            <a:ext cx="15240" cy="671512"/>
+          </a:xfrm>
+          <a:prstGeom prst="rect">
+            <a:avLst/>
+          </a:prstGeom>
+          <a:solidFill>
+            <a:srgbClr val="26A688"/>
+          </a:solidFill>
+          <a:ln/>
+        </p:spPr>
+      </p:sp>
+      <p:sp>
+        <p:nvSpPr>
+          <p:cNvPr id="18" name="Text 12">
+            <a:extLst>
+              <a:ext uri="{FF2B5EF4-FFF2-40B4-BE49-F238E27FC236}">
+                <a16:creationId xmlns:a16="http://schemas.microsoft.com/office/drawing/2014/main" id="{903077E7-B789-EEFD-2C5B-A72AC4BDD26D}"/>
+              </a:ext>
+            </a:extLst>
+          </p:cNvPr>
+          <p:cNvSpPr/>
+          <p:nvPr/>
+        </p:nvSpPr>
+        <p:spPr>
+          <a:xfrm>
+            <a:off x="10003804" y="712589"/>
             <a:ext cx="1748790" cy="218599"/>
           </a:xfrm>
           <a:prstGeom prst="rect">
@@ -2260,37 +2111,102 @@
           <a:bodyPr wrap="none" lIns="0" tIns="0" rIns="0" bIns="0" rtlCol="0" anchor="t"/>
           <a:lstStyle/>
           <a:p>
-            <a:pPr algn="ctr" indent="0" marL="0">
+            <a:pPr marL="0" indent="0" algn="ctr">
               <a:lnSpc>
                 <a:spcPts val="1700"/>
               </a:lnSpc>
               <a:buNone/>
             </a:pPr>
             <a:r>
-              <a:rPr lang="en-US" sz="1350" b="1" dirty="0">
+              <a:rPr lang="en-US" b="1" dirty="0">
                 <a:solidFill>
                   <a:srgbClr val="333F70"/>
                 </a:solidFill>
                 <a:latin typeface="Unbounded Bold" pitchFamily="34" charset="0"/>
                 <a:ea typeface="Unbounded Bold" pitchFamily="34" charset="-122"/>
-                <a:cs typeface="Unbounded Bold" pitchFamily="34" charset="-120"/>
-              </a:rPr>
-              <a:t>Significance</a:t>
-            </a:r>
-            <a:endParaRPr lang="en-US" sz="1350" dirty="0"/>
+              </a:rPr>
+              <a:t>Dashboard</a:t>
+            </a:r>
+            <a:endParaRPr lang="en-US" dirty="0"/>
           </a:p>
         </p:txBody>
       </p:sp>
-      <p:sp>
-        <p:nvSpPr>
-          <p:cNvPr id="16" name="Text 13"/>
+      <p:pic>
+        <p:nvPicPr>
+          <p:cNvPr id="19" name="Picture 18">
+            <a:extLst>
+              <a:ext uri="{FF2B5EF4-FFF2-40B4-BE49-F238E27FC236}">
+                <a16:creationId xmlns:a16="http://schemas.microsoft.com/office/drawing/2014/main" id="{4AC5B918-FF53-4B92-9AE1-A80548E20136}"/>
+              </a:ext>
+            </a:extLst>
+          </p:cNvPr>
+          <p:cNvPicPr>
+            <a:picLocks noChangeAspect="1"/>
+          </p:cNvPicPr>
+          <p:nvPr/>
+        </p:nvPicPr>
+        <p:blipFill>
+          <a:blip r:embed="rId3"/>
+          <a:stretch>
+            <a:fillRect/>
+          </a:stretch>
+        </p:blipFill>
+        <p:spPr>
+          <a:xfrm>
+            <a:off x="7745340" y="1395520"/>
+            <a:ext cx="6265718" cy="1360194"/>
+          </a:xfrm>
+          <a:prstGeom prst="rect">
+            <a:avLst/>
+          </a:prstGeom>
+        </p:spPr>
+      </p:pic>
+      <p:pic>
+        <p:nvPicPr>
+          <p:cNvPr id="20" name="Picture 19">
+            <a:extLst>
+              <a:ext uri="{FF2B5EF4-FFF2-40B4-BE49-F238E27FC236}">
+                <a16:creationId xmlns:a16="http://schemas.microsoft.com/office/drawing/2014/main" id="{1C881BC0-0CE5-6A30-D254-F360957EACB0}"/>
+              </a:ext>
+            </a:extLst>
+          </p:cNvPr>
+          <p:cNvPicPr>
+            <a:picLocks noChangeAspect="1"/>
+          </p:cNvPicPr>
+          <p:nvPr/>
+        </p:nvPicPr>
+        <p:blipFill>
+          <a:blip r:embed="rId4"/>
+          <a:stretch>
+            <a:fillRect/>
+          </a:stretch>
+        </p:blipFill>
+        <p:spPr>
+          <a:xfrm>
+            <a:off x="7745341" y="3257670"/>
+            <a:ext cx="6265718" cy="1723538"/>
+          </a:xfrm>
+          <a:prstGeom prst="rect">
+            <a:avLst/>
+          </a:prstGeom>
+        </p:spPr>
+      </p:pic>
+      <p:sp>
+        <p:nvSpPr>
+          <p:cNvPr id="21" name="Text 9">
+            <a:extLst>
+              <a:ext uri="{FF2B5EF4-FFF2-40B4-BE49-F238E27FC236}">
+                <a16:creationId xmlns:a16="http://schemas.microsoft.com/office/drawing/2014/main" id="{F9FF5664-F0AA-2BDA-599E-CFD59246F4B1}"/>
+              </a:ext>
+            </a:extLst>
+          </p:cNvPr>
           <p:cNvSpPr/>
           <p:nvPr/>
         </p:nvSpPr>
         <p:spPr>
           <a:xfrm>
-            <a:off x="7703225" y="8377476"/>
-            <a:ext cx="6445210" cy="671512"/>
+            <a:off x="7853406" y="1035242"/>
+            <a:ext cx="551421" cy="218600"/>
           </a:xfrm>
           <a:prstGeom prst="rect">
             <a:avLst/>
@@ -2299,17 +2215,17 @@
           <a:ln/>
         </p:spPr>
         <p:txBody>
-          <a:bodyPr wrap="square" lIns="0" tIns="0" rIns="0" bIns="0" rtlCol="0" anchor="t"/>
+          <a:bodyPr wrap="none" lIns="0" tIns="0" rIns="0" bIns="0" rtlCol="0" anchor="t"/>
           <a:lstStyle/>
           <a:p>
-            <a:pPr algn="l" indent="0" marL="0">
+            <a:pPr algn="l">
               <a:lnSpc>
                 <a:spcPts val="1750"/>
               </a:lnSpc>
-              <a:buNone/>
+              <a:buSzPct val="100000"/>
             </a:pPr>
             <a:r>
-              <a:rPr lang="en-US" sz="1100" dirty="0">
+              <a:rPr lang="en-US" sz="1400" b="1" dirty="0">
                 <a:solidFill>
                   <a:srgbClr val="333F70"/>
                 </a:solidFill>
@@ -2317,31 +2233,113 @@
                 <a:ea typeface="Open Sans" pitchFamily="34" charset="-122"/>
                 <a:cs typeface="Open Sans" pitchFamily="34" charset="-120"/>
               </a:rPr>
-              <a:t>This predictive capability significantly enhances our understanding of user behavior within shopping sessions. It provides actionable insights to improve real-time recommendations, optimize user flow, and ultimately drive conversion rates in e-commerce platforms.</a:t>
-            </a:r>
-            <a:endParaRPr lang="en-US" sz="1100" dirty="0"/>
+              <a:t>Spark</a:t>
+            </a:r>
+            <a:endParaRPr lang="en-US" sz="1400" dirty="0"/>
           </a:p>
         </p:txBody>
       </p:sp>
       <p:sp>
         <p:nvSpPr>
-          <p:cNvPr id="17" name="Shape 14"/>
+          <p:cNvPr id="22" name="Text 9">
+            <a:extLst>
+              <a:ext uri="{FF2B5EF4-FFF2-40B4-BE49-F238E27FC236}">
+                <a16:creationId xmlns:a16="http://schemas.microsoft.com/office/drawing/2014/main" id="{5B564CB2-F2C5-668D-918D-48590E38E6AA}"/>
+              </a:ext>
+            </a:extLst>
+          </p:cNvPr>
           <p:cNvSpPr/>
           <p:nvPr/>
         </p:nvSpPr>
         <p:spPr>
           <a:xfrm>
-            <a:off x="7493437" y="8377476"/>
-            <a:ext cx="15240" cy="671512"/>
-          </a:xfrm>
-          <a:prstGeom prst="rect">
-            <a:avLst/>
-          </a:prstGeom>
-          <a:solidFill>
-            <a:srgbClr val="26A688"/>
-          </a:solidFill>
+            <a:off x="7853406" y="2997003"/>
+            <a:ext cx="551421" cy="218600"/>
+          </a:xfrm>
+          <a:prstGeom prst="rect">
+            <a:avLst/>
+          </a:prstGeom>
+          <a:noFill/>
           <a:ln/>
         </p:spPr>
+        <p:txBody>
+          <a:bodyPr wrap="none" lIns="0" tIns="0" rIns="0" bIns="0" rtlCol="0" anchor="t"/>
+          <a:lstStyle/>
+          <a:p>
+            <a:pPr algn="l">
+              <a:lnSpc>
+                <a:spcPts val="1750"/>
+              </a:lnSpc>
+              <a:buSzPct val="100000"/>
+            </a:pPr>
+            <a:r>
+              <a:rPr lang="en-US" sz="1400" b="1" dirty="0">
+                <a:solidFill>
+                  <a:srgbClr val="333F70"/>
+                </a:solidFill>
+                <a:latin typeface="Open Sans" pitchFamily="34" charset="0"/>
+                <a:ea typeface="Open Sans" pitchFamily="34" charset="-122"/>
+                <a:cs typeface="Open Sans" pitchFamily="34" charset="-120"/>
+              </a:rPr>
+              <a:t>Yarn</a:t>
+            </a:r>
+            <a:endParaRPr lang="en-US" sz="1400" dirty="0"/>
+          </a:p>
+        </p:txBody>
+      </p:sp>
+      <p:sp>
+        <p:nvSpPr>
+          <p:cNvPr id="23" name="Rectangle 22">
+            <a:extLst>
+              <a:ext uri="{FF2B5EF4-FFF2-40B4-BE49-F238E27FC236}">
+                <a16:creationId xmlns:a16="http://schemas.microsoft.com/office/drawing/2014/main" id="{8F4D8C8B-B129-F66A-56F5-BAB490693516}"/>
+              </a:ext>
+            </a:extLst>
+          </p:cNvPr>
+          <p:cNvSpPr/>
+          <p:nvPr/>
+        </p:nvSpPr>
+        <p:spPr>
+          <a:xfrm>
+            <a:off x="12874336" y="7803573"/>
+            <a:ext cx="1641764" cy="322118"/>
+          </a:xfrm>
+          <a:prstGeom prst="rect">
+            <a:avLst/>
+          </a:prstGeom>
+          <a:solidFill>
+            <a:srgbClr val="FFFFFF"/>
+          </a:solidFill>
+          <a:ln>
+            <a:solidFill>
+              <a:srgbClr val="FFFFFF"/>
+            </a:solidFill>
+          </a:ln>
+        </p:spPr>
+        <p:style>
+          <a:lnRef idx="2">
+            <a:schemeClr val="accent1">
+              <a:shade val="15000"/>
+            </a:schemeClr>
+          </a:lnRef>
+          <a:fillRef idx="1">
+            <a:schemeClr val="accent1"/>
+          </a:fillRef>
+          <a:effectRef idx="0">
+            <a:schemeClr val="accent1"/>
+          </a:effectRef>
+          <a:fontRef idx="minor">
+            <a:schemeClr val="lt1"/>
+          </a:fontRef>
+        </p:style>
+        <p:txBody>
+          <a:bodyPr rtlCol="0" anchor="ctr"/>
+          <a:lstStyle/>
+          <a:p>
+            <a:pPr algn="ctr"/>
+            <a:endParaRPr lang="en-PK"/>
+          </a:p>
+        </p:txBody>
       </p:sp>
     </p:spTree>
   </p:cSld>
@@ -2644,4 +2642,299 @@
     </a:ext>
   </a:extLst>
 </a:theme>
+</file>
+
+<file path=ppt/theme/theme2.xml><?xml version="1.0" encoding="utf-8"?>
+<a:theme xmlns:a="http://schemas.openxmlformats.org/drawingml/2006/main" name="Office Theme">
+  <a:themeElements>
+    <a:clrScheme name="Office">
+      <a:dk1>
+        <a:sysClr val="windowText" lastClr="000000"/>
+      </a:dk1>
+      <a:lt1>
+        <a:sysClr val="window" lastClr="FFFFFF"/>
+      </a:lt1>
+      <a:dk2>
+        <a:srgbClr val="44546A"/>
+      </a:dk2>
+      <a:lt2>
+        <a:srgbClr val="E7E6E6"/>
+      </a:lt2>
+      <a:accent1>
+        <a:srgbClr val="4472C4"/>
+      </a:accent1>
+      <a:accent2>
+        <a:srgbClr val="ED7D31"/>
+      </a:accent2>
+      <a:accent3>
+        <a:srgbClr val="A5A5A5"/>
+      </a:accent3>
+      <a:accent4>
+        <a:srgbClr val="FFC000"/>
+      </a:accent4>
+      <a:accent5>
+        <a:srgbClr val="5B9BD5"/>
+      </a:accent5>
+      <a:accent6>
+        <a:srgbClr val="70AD47"/>
+      </a:accent6>
+      <a:hlink>
+        <a:srgbClr val="0563C1"/>
+      </a:hlink>
+      <a:folHlink>
+        <a:srgbClr val="954F72"/>
+      </a:folHlink>
+    </a:clrScheme>
+    <a:fontScheme name="Office">
+      <a:majorFont>
+        <a:latin typeface="Calibri Light" panose="020F0302020204030204"/>
+        <a:ea typeface=""/>
+        <a:cs typeface=""/>
+        <a:font script="Jpan" typeface="游ゴシック Light"/>
+        <a:font script="Hang" typeface="맑은 고딕"/>
+        <a:font script="Hans" typeface="等线 Light"/>
+        <a:font script="Hant" typeface="新細明體"/>
+        <a:font script="Arab" typeface="Times New Roman"/>
+        <a:font script="Hebr" typeface="Times New Roman"/>
+        <a:font script="Thai" typeface="Angsana New"/>
+        <a:font script="Ethi" typeface="Nyala"/>
+        <a:font script="Beng" typeface="Vrinda"/>
+        <a:font script="Gujr" typeface="Shruti"/>
+        <a:font script="Khmr" typeface="MoolBoran"/>
+        <a:font script="Knda" typeface="Tunga"/>
+        <a:font script="Guru" typeface="Raavi"/>
+        <a:font script="Cans" typeface="Euphemia"/>
+        <a:font script="Cher" typeface="Plantagenet Cherokee"/>
+        <a:font script="Yiii" typeface="Microsoft Yi Baiti"/>
+        <a:font script="Tibt" typeface="Microsoft Himalaya"/>
+        <a:font script="Thaa" typeface="MV Boli"/>
+        <a:font script="Deva" typeface="Mangal"/>
+        <a:font script="Telu" typeface="Gautami"/>
+        <a:font script="Taml" typeface="Latha"/>
+        <a:font script="Syrc" typeface="Estrangelo Edessa"/>
+        <a:font script="Orya" typeface="Kalinga"/>
+        <a:font script="Mlym" typeface="Kartika"/>
+        <a:font script="Laoo" typeface="DokChampa"/>
+        <a:font script="Sinh" typeface="Iskoola Pota"/>
+        <a:font script="Mong" typeface="Mongolian Baiti"/>
+        <a:font script="Viet" typeface="Times New Roman"/>
+        <a:font script="Uigh" typeface="Microsoft Uighur"/>
+        <a:font script="Geor" typeface="Sylfaen"/>
+        <a:font script="Armn" typeface="Arial"/>
+        <a:font script="Bugi" typeface="Leelawadee UI"/>
+        <a:font script="Bopo" typeface="Microsoft JhengHei"/>
+        <a:font script="Java" typeface="Javanese Text"/>
+        <a:font script="Lisu" typeface="Segoe UI"/>
+        <a:font script="Mymr" typeface="Myanmar Text"/>
+        <a:font script="Nkoo" typeface="Ebrima"/>
+        <a:font script="Olck" typeface="Nirmala UI"/>
+        <a:font script="Osma" typeface="Ebrima"/>
+        <a:font script="Phag" typeface="Phagspa"/>
+        <a:font script="Syrn" typeface="Estrangelo Edessa"/>
+        <a:font script="Syrj" typeface="Estrangelo Edessa"/>
+        <a:font script="Syre" typeface="Estrangelo Edessa"/>
+        <a:font script="Sora" typeface="Nirmala UI"/>
+        <a:font script="Tale" typeface="Microsoft Tai Le"/>
+        <a:font script="Talu" typeface="Microsoft New Tai Lue"/>
+        <a:font script="Tfng" typeface="Ebrima"/>
+      </a:majorFont>
+      <a:minorFont>
+        <a:latin typeface="Calibri" panose="020F0502020204030204"/>
+        <a:ea typeface=""/>
+        <a:cs typeface=""/>
+        <a:font script="Jpan" typeface="游ゴシック"/>
+        <a:font script="Hang" typeface="맑은 고딕"/>
+        <a:font script="Hans" typeface="等线"/>
+        <a:font script="Hant" typeface="新細明體"/>
+        <a:font script="Arab" typeface="Arial"/>
+        <a:font script="Hebr" typeface="Arial"/>
+        <a:font script="Thai" typeface="Cordia New"/>
+        <a:font script="Ethi" typeface="Nyala"/>
+        <a:font script="Beng" typeface="Vrinda"/>
+        <a:font script="Gujr" typeface="Shruti"/>
+        <a:font script="Khmr" typeface="DaunPenh"/>
+        <a:font script="Knda" typeface="Tunga"/>
+        <a:font script="Guru" typeface="Raavi"/>
+        <a:font script="Cans" typeface="Euphemia"/>
+        <a:font script="Cher" typeface="Plantagenet Cherokee"/>
+        <a:font script="Yiii" typeface="Microsoft Yi Baiti"/>
+        <a:font script="Tibt" typeface="Microsoft Himalaya"/>
+        <a:font script="Thaa" typeface="MV Boli"/>
+        <a:font script="Deva" typeface="Mangal"/>
+        <a:font script="Telu" typeface="Gautami"/>
+        <a:font script="Taml" typeface="Latha"/>
+        <a:font script="Syrc" typeface="Estrangelo Edessa"/>
+        <a:font script="Orya" typeface="Kalinga"/>
+        <a:font script="Mlym" typeface="Kartika"/>
+        <a:font script="Laoo" typeface="DokChampa"/>
+        <a:font script="Sinh" typeface="Iskoola Pota"/>
+        <a:font script="Mong" typeface="Mongolian Baiti"/>
+        <a:font script="Viet" typeface="Arial"/>
+        <a:font script="Uigh" typeface="Microsoft Uighur"/>
+        <a:font script="Geor" typeface="Sylfaen"/>
+        <a:font script="Armn" typeface="Arial"/>
+        <a:font script="Bugi" typeface="Leelawadee UI"/>
+        <a:font script="Bopo" typeface="Microsoft JhengHei"/>
+        <a:font script="Java" typeface="Javanese Text"/>
+        <a:font script="Lisu" typeface="Segoe UI"/>
+        <a:font script="Mymr" typeface="Myanmar Text"/>
+        <a:font script="Nkoo" typeface="Ebrima"/>
+        <a:font script="Olck" typeface="Nirmala UI"/>
+        <a:font script="Osma" typeface="Ebrima"/>
+        <a:font script="Phag" typeface="Phagspa"/>
+        <a:font script="Syrn" typeface="Estrangelo Edessa"/>
+        <a:font script="Syrj" typeface="Estrangelo Edessa"/>
+        <a:font script="Syre" typeface="Estrangelo Edessa"/>
+        <a:font script="Sora" typeface="Nirmala UI"/>
+        <a:font script="Tale" typeface="Microsoft Tai Le"/>
+        <a:font script="Talu" typeface="Microsoft New Tai Lue"/>
+        <a:font script="Tfng" typeface="Ebrima"/>
+      </a:minorFont>
+    </a:fontScheme>
+    <a:fmtScheme name="Office">
+      <a:fillStyleLst>
+        <a:solidFill>
+          <a:schemeClr val="phClr"/>
+        </a:solidFill>
+        <a:gradFill rotWithShape="1">
+          <a:gsLst>
+            <a:gs pos="0">
+              <a:schemeClr val="phClr">
+                <a:lumMod val="110000"/>
+                <a:satMod val="105000"/>
+                <a:tint val="67000"/>
+              </a:schemeClr>
+            </a:gs>
+            <a:gs pos="50000">
+              <a:schemeClr val="phClr">
+                <a:lumMod val="105000"/>
+                <a:satMod val="103000"/>
+                <a:tint val="73000"/>
+              </a:schemeClr>
+            </a:gs>
+            <a:gs pos="100000">
+              <a:schemeClr val="phClr">
+                <a:lumMod val="105000"/>
+                <a:satMod val="109000"/>
+                <a:tint val="81000"/>
+              </a:schemeClr>
+            </a:gs>
+          </a:gsLst>
+          <a:lin ang="5400000" scaled="0"/>
+        </a:gradFill>
+        <a:gradFill rotWithShape="1">
+          <a:gsLst>
+            <a:gs pos="0">
+              <a:schemeClr val="phClr">
+                <a:satMod val="103000"/>
+                <a:lumMod val="102000"/>
+                <a:tint val="94000"/>
+              </a:schemeClr>
+            </a:gs>
+            <a:gs pos="50000">
+              <a:schemeClr val="phClr">
+                <a:satMod val="110000"/>
+                <a:lumMod val="100000"/>
+                <a:shade val="100000"/>
+              </a:schemeClr>
+            </a:gs>
+            <a:gs pos="100000">
+              <a:schemeClr val="phClr">
+                <a:lumMod val="99000"/>
+                <a:satMod val="120000"/>
+                <a:shade val="78000"/>
+              </a:schemeClr>
+            </a:gs>
+          </a:gsLst>
+          <a:lin ang="5400000" scaled="0"/>
+        </a:gradFill>
+      </a:fillStyleLst>
+      <a:lnStyleLst>
+        <a:ln w="6350" cap="flat" cmpd="sng" algn="ctr">
+          <a:solidFill>
+            <a:schemeClr val="phClr"/>
+          </a:solidFill>
+          <a:prstDash val="solid"/>
+          <a:miter lim="800000"/>
+        </a:ln>
+        <a:ln w="12700" cap="flat" cmpd="sng" algn="ctr">
+          <a:solidFill>
+            <a:schemeClr val="phClr"/>
+          </a:solidFill>
+          <a:prstDash val="solid"/>
+          <a:miter lim="800000"/>
+        </a:ln>
+        <a:ln w="19050" cap="flat" cmpd="sng" algn="ctr">
+          <a:solidFill>
+            <a:schemeClr val="phClr"/>
+          </a:solidFill>
+          <a:prstDash val="solid"/>
+          <a:miter lim="800000"/>
+        </a:ln>
+      </a:lnStyleLst>
+      <a:effectStyleLst>
+        <a:effectStyle>
+          <a:effectLst/>
+        </a:effectStyle>
+        <a:effectStyle>
+          <a:effectLst/>
+        </a:effectStyle>
+        <a:effectStyle>
+          <a:effectLst>
+            <a:outerShdw blurRad="57150" dist="19050" dir="5400000" algn="ctr" rotWithShape="0">
+              <a:srgbClr val="000000">
+                <a:alpha val="63000"/>
+              </a:srgbClr>
+            </a:outerShdw>
+          </a:effectLst>
+        </a:effectStyle>
+      </a:effectStyleLst>
+      <a:bgFillStyleLst>
+        <a:solidFill>
+          <a:schemeClr val="phClr"/>
+        </a:solidFill>
+        <a:solidFill>
+          <a:schemeClr val="phClr">
+            <a:tint val="95000"/>
+            <a:satMod val="170000"/>
+          </a:schemeClr>
+        </a:solidFill>
+        <a:gradFill rotWithShape="1">
+          <a:gsLst>
+            <a:gs pos="0">
+              <a:schemeClr val="phClr">
+                <a:tint val="93000"/>
+                <a:satMod val="150000"/>
+                <a:shade val="98000"/>
+                <a:lumMod val="102000"/>
+              </a:schemeClr>
+            </a:gs>
+            <a:gs pos="50000">
+              <a:schemeClr val="phClr">
+                <a:tint val="98000"/>
+                <a:satMod val="130000"/>
+                <a:shade val="90000"/>
+                <a:lumMod val="103000"/>
+              </a:schemeClr>
+            </a:gs>
+            <a:gs pos="100000">
+              <a:schemeClr val="phClr">
+                <a:shade val="63000"/>
+                <a:satMod val="120000"/>
+              </a:schemeClr>
+            </a:gs>
+          </a:gsLst>
+          <a:lin ang="5400000" scaled="0"/>
+        </a:gradFill>
+      </a:bgFillStyleLst>
+    </a:fmtScheme>
+  </a:themeElements>
+  <a:objectDefaults/>
+  <a:extraClrSchemeLst/>
+  <a:extLst>
+    <a:ext uri="{05A4C25C-085E-4340-85A3-A5531E510DB2}">
+      <thm15:themeFamily xmlns:thm15="http://schemas.microsoft.com/office/thememl/2012/main" name="Office Theme" id="{62F939B6-93AF-4DB8-9C6B-D6C7DFDC589F}" vid="{4A3C46E8-61CC-4603-A589-7422A47A8E4A}"/>
+    </a:ext>
+  </a:extLst>
+</a:theme>
 </file>
--- a/Next Event Prediction in eCommerce Sessions/data/Next-Event-Prediction-in-eCommerce-Sessions-using-PySpark.pptx
+++ b/Next Event Prediction in eCommerce Sessions/data/Next-Event-Prediction-in-eCommerce-Sessions-using-PySpark.pptx
@@ -2341,6 +2341,113 @@
           </a:p>
         </p:txBody>
       </p:sp>
+      <p:sp>
+        <p:nvSpPr>
+          <p:cNvPr id="14" name="Text 12">
+            <a:extLst>
+              <a:ext uri="{FF2B5EF4-FFF2-40B4-BE49-F238E27FC236}">
+                <a16:creationId xmlns:a16="http://schemas.microsoft.com/office/drawing/2014/main" id="{0D11725D-52CD-C86B-51C0-9FB86059DD90}"/>
+              </a:ext>
+            </a:extLst>
+          </p:cNvPr>
+          <p:cNvSpPr/>
+          <p:nvPr/>
+        </p:nvSpPr>
+        <p:spPr>
+          <a:xfrm>
+            <a:off x="10003804" y="5063251"/>
+            <a:ext cx="1748790" cy="218599"/>
+          </a:xfrm>
+          <a:prstGeom prst="rect">
+            <a:avLst/>
+          </a:prstGeom>
+          <a:noFill/>
+          <a:ln/>
+        </p:spPr>
+        <p:txBody>
+          <a:bodyPr wrap="none" lIns="0" tIns="0" rIns="0" bIns="0" rtlCol="0" anchor="t"/>
+          <a:lstStyle/>
+          <a:p>
+            <a:pPr marL="0" indent="0" algn="ctr">
+              <a:lnSpc>
+                <a:spcPts val="1700"/>
+              </a:lnSpc>
+              <a:buNone/>
+            </a:pPr>
+            <a:r>
+              <a:rPr lang="en-US" b="1" dirty="0">
+                <a:solidFill>
+                  <a:srgbClr val="333F70"/>
+                </a:solidFill>
+                <a:latin typeface="Unbounded Bold" pitchFamily="34" charset="0"/>
+                <a:ea typeface="Unbounded Bold" pitchFamily="34" charset="-122"/>
+              </a:rPr>
+              <a:t>Graphs</a:t>
+            </a:r>
+            <a:endParaRPr lang="en-US" dirty="0"/>
+          </a:p>
+        </p:txBody>
+      </p:sp>
+      <p:pic>
+        <p:nvPicPr>
+          <p:cNvPr id="25" name="Picture 24">
+            <a:extLst>
+              <a:ext uri="{FF2B5EF4-FFF2-40B4-BE49-F238E27FC236}">
+                <a16:creationId xmlns:a16="http://schemas.microsoft.com/office/drawing/2014/main" id="{D98553F2-EBF4-22B1-A69C-2D12A724EEF9}"/>
+              </a:ext>
+            </a:extLst>
+          </p:cNvPr>
+          <p:cNvPicPr>
+            <a:picLocks noChangeAspect="1"/>
+          </p:cNvPicPr>
+          <p:nvPr/>
+        </p:nvPicPr>
+        <p:blipFill>
+          <a:blip r:embed="rId5"/>
+          <a:stretch>
+            <a:fillRect/>
+          </a:stretch>
+        </p:blipFill>
+        <p:spPr>
+          <a:xfrm>
+            <a:off x="11191615" y="5386387"/>
+            <a:ext cx="3181371" cy="2739304"/>
+          </a:xfrm>
+          <a:prstGeom prst="rect">
+            <a:avLst/>
+          </a:prstGeom>
+        </p:spPr>
+      </p:pic>
+      <p:pic>
+        <p:nvPicPr>
+          <p:cNvPr id="27" name="Picture 26">
+            <a:extLst>
+              <a:ext uri="{FF2B5EF4-FFF2-40B4-BE49-F238E27FC236}">
+                <a16:creationId xmlns:a16="http://schemas.microsoft.com/office/drawing/2014/main" id="{0A9F541C-22FD-8B01-28CB-36ECE7CA0675}"/>
+              </a:ext>
+            </a:extLst>
+          </p:cNvPr>
+          <p:cNvPicPr>
+            <a:picLocks noChangeAspect="1"/>
+          </p:cNvPicPr>
+          <p:nvPr/>
+        </p:nvPicPr>
+        <p:blipFill>
+          <a:blip r:embed="rId6"/>
+          <a:stretch>
+            <a:fillRect/>
+          </a:stretch>
+        </p:blipFill>
+        <p:spPr>
+          <a:xfrm>
+            <a:off x="7745339" y="5386387"/>
+            <a:ext cx="3303161" cy="2739304"/>
+          </a:xfrm>
+          <a:prstGeom prst="rect">
+            <a:avLst/>
+          </a:prstGeom>
+        </p:spPr>
+      </p:pic>
     </p:spTree>
   </p:cSld>
   <p:clrMapOvr>
